--- a/W2D5Project/PPT/GROUP 1 - W2Project.pptx
+++ b/W2D5Project/PPT/GROUP 1 - W2Project.pptx
@@ -1540,6 +1540,7 @@
           <a:p>
             <a:fld id="{923A1CC3-2375-41D4-9E03-427CAF2A4C1A}" type="datetimeFigureOut">
               <a:rPr lang="en-US" dirty="0"/>
+              <a:pPr/>
               <a:t>6/26/2016</a:t>
             </a:fld>
             <a:endParaRPr lang="en-US" dirty="0"/>
@@ -2520,6 +2521,7 @@
           <a:p>
             <a:fld id="{AFF16868-8199-4C2C-A5B1-63AEE139F88E}" type="datetimeFigureOut">
               <a:rPr lang="en-US" dirty="0"/>
+              <a:pPr/>
               <a:t>6/26/2016</a:t>
             </a:fld>
             <a:endParaRPr lang="en-US" dirty="0"/>
@@ -3654,6 +3656,7 @@
           <a:p>
             <a:fld id="{AAD9FF7F-6988-44CC-821B-644E70CD2F73}" type="datetimeFigureOut">
               <a:rPr lang="en-US" dirty="0"/>
+              <a:pPr/>
               <a:t>6/26/2016</a:t>
             </a:fld>
             <a:endParaRPr lang="en-US" dirty="0"/>
@@ -4687,6 +4690,7 @@
           <a:p>
             <a:fld id="{5C12C299-16B2-4475-990D-751901EACC14}" type="datetimeFigureOut">
               <a:rPr lang="en-US" dirty="0"/>
+              <a:pPr/>
               <a:t>6/26/2016</a:t>
             </a:fld>
             <a:endParaRPr lang="en-US" dirty="0"/>
@@ -5347,6 +5351,7 @@
           <a:p>
             <a:fld id="{9FE86839-B9D8-4651-8783-F325ECE74E65}" type="datetimeFigureOut">
               <a:rPr lang="en-US" dirty="0"/>
+              <a:pPr/>
               <a:t>6/26/2016</a:t>
             </a:fld>
             <a:endParaRPr lang="en-US" dirty="0"/>
@@ -6208,6 +6213,7 @@
           <a:p>
             <a:fld id="{FD484F64-32F6-45C5-931F-ADC1662401D0}" type="datetimeFigureOut">
               <a:rPr lang="en-US" dirty="0"/>
+              <a:pPr/>
               <a:t>6/26/2016</a:t>
             </a:fld>
             <a:endParaRPr lang="en-US" dirty="0"/>
@@ -6398,6 +6404,7 @@
           <a:p>
             <a:fld id="{53086D93-FCAC-47E0-A2EE-787E62CA814C}" type="datetimeFigureOut">
               <a:rPr lang="en-US" dirty="0"/>
+              <a:pPr/>
               <a:t>6/26/2016</a:t>
             </a:fld>
             <a:endParaRPr lang="en-US" dirty="0"/>
@@ -7370,6 +7377,7 @@
           <a:p>
             <a:fld id="{CDA879A6-0FD0-4734-A311-86BFCA472E6E}" type="datetimeFigureOut">
               <a:rPr lang="en-US" dirty="0"/>
+              <a:pPr/>
               <a:t>6/26/2016</a:t>
             </a:fld>
             <a:endParaRPr lang="en-US" dirty="0"/>
@@ -7581,6 +7589,7 @@
           <a:p>
             <a:fld id="{19C9CA7B-DFD4-44B5-8C60-D14B8CD1FB59}" type="datetimeFigureOut">
               <a:rPr lang="en-US" dirty="0"/>
+              <a:pPr/>
               <a:t>6/26/2016</a:t>
             </a:fld>
             <a:endParaRPr lang="en-US" dirty="0"/>
@@ -8615,6 +8624,7 @@
           <a:p>
             <a:fld id="{F34E6425-0181-43F2-84FC-787E803FD2F8}" type="datetimeFigureOut">
               <a:rPr lang="en-US" dirty="0"/>
+              <a:pPr/>
               <a:t>6/26/2016</a:t>
             </a:fld>
             <a:endParaRPr lang="en-US" dirty="0"/>
@@ -8887,6 +8897,7 @@
           <a:p>
             <a:fld id="{3BDB8791-F1B0-41E7-B7FD-A781E65C4266}" type="datetimeFigureOut">
               <a:rPr lang="en-US" dirty="0"/>
+              <a:pPr/>
               <a:t>6/26/2016</a:t>
             </a:fld>
             <a:endParaRPr lang="en-US" dirty="0"/>
@@ -9297,6 +9308,7 @@
           <a:p>
             <a:fld id="{5FDD63B2-E120-4ED8-B27B-C685F510A5FE}" type="datetimeFigureOut">
               <a:rPr lang="en-US" dirty="0"/>
+              <a:pPr/>
               <a:t>6/26/2016</a:t>
             </a:fld>
             <a:endParaRPr lang="en-US" dirty="0"/>
@@ -9424,6 +9436,7 @@
           <a:p>
             <a:fld id="{7AA18ACC-A947-437B-A130-35BD54FDF1E9}" type="datetimeFigureOut">
               <a:rPr lang="en-US" dirty="0"/>
+              <a:pPr/>
               <a:t>6/26/2016</a:t>
             </a:fld>
             <a:endParaRPr lang="en-US" dirty="0"/>
@@ -9519,6 +9532,7 @@
           <a:p>
             <a:fld id="{7C8D7E02-BCB8-4D50-A234-369438C08659}" type="datetimeFigureOut">
               <a:rPr lang="en-US" dirty="0"/>
+              <a:pPr/>
               <a:t>6/26/2016</a:t>
             </a:fld>
             <a:endParaRPr lang="en-US" dirty="0"/>
@@ -10600,6 +10614,7 @@
           <a:p>
             <a:fld id="{76E86A4C-8E40-4F87-A4F0-01A0687C5742}" type="datetimeFigureOut">
               <a:rPr lang="en-US" dirty="0"/>
+              <a:pPr/>
               <a:t>6/26/2016</a:t>
             </a:fld>
             <a:endParaRPr lang="en-US" dirty="0"/>
@@ -11708,6 +11723,7 @@
           <a:p>
             <a:fld id="{35E72C73-2D91-4E12-BA25-F0AA0C03599B}" type="datetimeFigureOut">
               <a:rPr lang="en-US" dirty="0"/>
+              <a:pPr/>
               <a:t>6/26/2016</a:t>
             </a:fld>
             <a:endParaRPr lang="en-US" dirty="0"/>
@@ -12705,6 +12721,7 @@
           <a:p>
             <a:fld id="{2BE451C3-0FF4-47C4-B829-773ADF60F88C}" type="datetimeFigureOut">
               <a:rPr lang="en-US" dirty="0"/>
+              <a:pPr/>
               <a:t>6/26/2016</a:t>
             </a:fld>
             <a:endParaRPr lang="en-US" dirty="0"/>
@@ -13312,7 +13329,7 @@
     </p:spTree>
     <p:extLst>
       <p:ext uri="{BB962C8B-B14F-4D97-AF65-F5344CB8AC3E}">
-        <p14:creationId xmlns:p14="http://schemas.microsoft.com/office/powerpoint/2010/main" val="845337426"/>
+        <p14:creationId xmlns:p14="http://schemas.microsoft.com/office/powerpoint/2010/main" xmlns="" val="845337426"/>
       </p:ext>
     </p:extLst>
   </p:cSld>
@@ -13431,7 +13448,7 @@
     </p:spTree>
     <p:extLst>
       <p:ext uri="{BB962C8B-B14F-4D97-AF65-F5344CB8AC3E}">
-        <p14:creationId xmlns:p14="http://schemas.microsoft.com/office/powerpoint/2010/main" val="1442927184"/>
+        <p14:creationId xmlns:p14="http://schemas.microsoft.com/office/powerpoint/2010/main" xmlns="" val="1442927184"/>
       </p:ext>
     </p:extLst>
   </p:cSld>
@@ -13541,7 +13558,7 @@
     </p:spTree>
     <p:extLst>
       <p:ext uri="{BB962C8B-B14F-4D97-AF65-F5344CB8AC3E}">
-        <p14:creationId xmlns:p14="http://schemas.microsoft.com/office/powerpoint/2010/main" val="3936197683"/>
+        <p14:creationId xmlns:p14="http://schemas.microsoft.com/office/powerpoint/2010/main" xmlns="" val="3936197683"/>
       </p:ext>
     </p:extLst>
   </p:cSld>
@@ -13641,7 +13658,7 @@
     </p:spTree>
     <p:extLst>
       <p:ext uri="{BB962C8B-B14F-4D97-AF65-F5344CB8AC3E}">
-        <p14:creationId xmlns:p14="http://schemas.microsoft.com/office/powerpoint/2010/main" val="653693815"/>
+        <p14:creationId xmlns:p14="http://schemas.microsoft.com/office/powerpoint/2010/main" xmlns="" val="653693815"/>
       </p:ext>
     </p:extLst>
   </p:cSld>
@@ -14066,7 +14083,7 @@
     </p:spTree>
     <p:extLst>
       <p:ext uri="{BB962C8B-B14F-4D97-AF65-F5344CB8AC3E}">
-        <p14:creationId xmlns:p14="http://schemas.microsoft.com/office/powerpoint/2010/main" val="2296460282"/>
+        <p14:creationId xmlns:p14="http://schemas.microsoft.com/office/powerpoint/2010/main" xmlns="" val="2296460282"/>
       </p:ext>
     </p:extLst>
   </p:cSld>
@@ -14137,7 +14154,7 @@
     </p:spTree>
     <p:extLst>
       <p:ext uri="{BB962C8B-B14F-4D97-AF65-F5344CB8AC3E}">
-        <p14:creationId xmlns:p14="http://schemas.microsoft.com/office/powerpoint/2010/main" val="4058481791"/>
+        <p14:creationId xmlns:p14="http://schemas.microsoft.com/office/powerpoint/2010/main" xmlns="" val="4058481791"/>
       </p:ext>
     </p:extLst>
   </p:cSld>
@@ -14202,10 +14219,36 @@
           </a:p>
         </p:txBody>
       </p:sp>
+      <p:pic>
+        <p:nvPicPr>
+          <p:cNvPr id="4" name="Picture 2" descr="D:\Group1Projects\W2D5Project\UML\use_case.jpg"/>
+          <p:cNvPicPr>
+            <a:picLocks noChangeAspect="1" noChangeArrowheads="1"/>
+          </p:cNvPicPr>
+          <p:nvPr/>
+        </p:nvPicPr>
+        <p:blipFill>
+          <a:blip r:embed="rId2"/>
+          <a:srcRect/>
+          <a:stretch>
+            <a:fillRect/>
+          </a:stretch>
+        </p:blipFill>
+        <p:spPr bwMode="auto">
+          <a:xfrm>
+            <a:off x="2036353" y="1110278"/>
+            <a:ext cx="7381875" cy="4371975"/>
+          </a:xfrm>
+          <a:prstGeom prst="rect">
+            <a:avLst/>
+          </a:prstGeom>
+          <a:noFill/>
+        </p:spPr>
+      </p:pic>
     </p:spTree>
     <p:extLst>
       <p:ext uri="{BB962C8B-B14F-4D97-AF65-F5344CB8AC3E}">
-        <p14:creationId xmlns:p14="http://schemas.microsoft.com/office/powerpoint/2010/main" val="762827125"/>
+        <p14:creationId xmlns:p14="http://schemas.microsoft.com/office/powerpoint/2010/main" xmlns="" val="762827125"/>
       </p:ext>
     </p:extLst>
   </p:cSld>
@@ -14270,10 +14313,36 @@
           </a:p>
         </p:txBody>
       </p:sp>
+      <p:pic>
+        <p:nvPicPr>
+          <p:cNvPr id="1027" name="Picture 3" descr="D:\Group1Projects\W2D5Project\UML\sequence_diagram.jpg"/>
+          <p:cNvPicPr>
+            <a:picLocks noChangeAspect="1" noChangeArrowheads="1"/>
+          </p:cNvPicPr>
+          <p:nvPr/>
+        </p:nvPicPr>
+        <p:blipFill>
+          <a:blip r:embed="rId2"/>
+          <a:srcRect/>
+          <a:stretch>
+            <a:fillRect/>
+          </a:stretch>
+        </p:blipFill>
+        <p:spPr bwMode="auto">
+          <a:xfrm>
+            <a:off x="2581275" y="-1026242"/>
+            <a:ext cx="7029450" cy="10591800"/>
+          </a:xfrm>
+          <a:prstGeom prst="rect">
+            <a:avLst/>
+          </a:prstGeom>
+          <a:noFill/>
+        </p:spPr>
+      </p:pic>
     </p:spTree>
     <p:extLst>
       <p:ext uri="{BB962C8B-B14F-4D97-AF65-F5344CB8AC3E}">
-        <p14:creationId xmlns:p14="http://schemas.microsoft.com/office/powerpoint/2010/main" val="490096814"/>
+        <p14:creationId xmlns:p14="http://schemas.microsoft.com/office/powerpoint/2010/main" xmlns="" val="490096814"/>
       </p:ext>
     </p:extLst>
   </p:cSld>
@@ -14338,10 +14407,36 @@
           </a:p>
         </p:txBody>
       </p:sp>
+      <p:pic>
+        <p:nvPicPr>
+          <p:cNvPr id="2050" name="Picture 2" descr="D:\Group1Projects\W2D5Project\UML\class.jpg"/>
+          <p:cNvPicPr>
+            <a:picLocks noChangeAspect="1" noChangeArrowheads="1"/>
+          </p:cNvPicPr>
+          <p:nvPr/>
+        </p:nvPicPr>
+        <p:blipFill>
+          <a:blip r:embed="rId2"/>
+          <a:srcRect/>
+          <a:stretch>
+            <a:fillRect/>
+          </a:stretch>
+        </p:blipFill>
+        <p:spPr bwMode="auto">
+          <a:xfrm>
+            <a:off x="908779" y="-383459"/>
+            <a:ext cx="10531054" cy="9357237"/>
+          </a:xfrm>
+          <a:prstGeom prst="rect">
+            <a:avLst/>
+          </a:prstGeom>
+          <a:noFill/>
+        </p:spPr>
+      </p:pic>
     </p:spTree>
     <p:extLst>
       <p:ext uri="{BB962C8B-B14F-4D97-AF65-F5344CB8AC3E}">
-        <p14:creationId xmlns:p14="http://schemas.microsoft.com/office/powerpoint/2010/main" val="3472327131"/>
+        <p14:creationId xmlns:p14="http://schemas.microsoft.com/office/powerpoint/2010/main" xmlns="" val="3472327131"/>
       </p:ext>
     </p:extLst>
   </p:cSld>
@@ -14412,7 +14507,7 @@
     </p:spTree>
     <p:extLst>
       <p:ext uri="{BB962C8B-B14F-4D97-AF65-F5344CB8AC3E}">
-        <p14:creationId xmlns:p14="http://schemas.microsoft.com/office/powerpoint/2010/main" val="3263384971"/>
+        <p14:creationId xmlns:p14="http://schemas.microsoft.com/office/powerpoint/2010/main" xmlns="" val="3263384971"/>
       </p:ext>
     </p:extLst>
   </p:cSld>
@@ -14465,7 +14560,7 @@
     </a:clrScheme>
     <a:fontScheme name="Ion Boardroom">
       <a:majorFont>
-        <a:latin typeface="Century Gothic" panose="020B0502020202020204"/>
+        <a:latin typeface="Century Gothic"/>
         <a:ea typeface=""/>
         <a:cs typeface=""/>
         <a:font script="Jpan" typeface="メイリオ"/>
@@ -14500,7 +14595,7 @@
         <a:font script="Geor" typeface="Sylfaen"/>
       </a:majorFont>
       <a:minorFont>
-        <a:latin typeface="Century Gothic" panose="020B0502020202020204"/>
+        <a:latin typeface="Century Gothic"/>
         <a:ea typeface=""/>
         <a:cs typeface=""/>
         <a:font script="Jpan" typeface="メイリオ"/>
@@ -14680,7 +14775,7 @@
   <a:extraClrSchemeLst/>
   <a:extLst>
     <a:ext uri="{05A4C25C-085E-4340-85A3-A5531E510DB2}">
-      <thm15:themeFamily xmlns:thm15="http://schemas.microsoft.com/office/thememl/2012/main" name="Ion Boardroom" id="{FC33163D-4339-46B1-8EED-24C834239D99}" vid="{B8502691-933B-45FE-8764-BA278511EF27}"/>
+      <thm15:themeFamily xmlns:thm15="http://schemas.microsoft.com/office/thememl/2012/main" xmlns="" name="Ion Boardroom" id="{FC33163D-4339-46B1-8EED-24C834239D99}" vid="{B8502691-933B-45FE-8764-BA278511EF27}"/>
     </a:ext>
   </a:extLst>
 </a:theme>

--- a/W2D5Project/PPT/GROUP 1 - W2Project.pptx
+++ b/W2D5Project/PPT/GROUP 1 - W2Project.pptx
@@ -10,11 +10,8 @@
     <p:sldId id="257" r:id="rId4"/>
     <p:sldId id="258" r:id="rId5"/>
     <p:sldId id="262" r:id="rId6"/>
-    <p:sldId id="259" r:id="rId7"/>
-    <p:sldId id="260" r:id="rId8"/>
-    <p:sldId id="263" r:id="rId9"/>
-    <p:sldId id="264" r:id="rId10"/>
-    <p:sldId id="265" r:id="rId11"/>
+    <p:sldId id="264" r:id="rId7"/>
+    <p:sldId id="265" r:id="rId8"/>
   </p:sldIdLst>
   <p:sldSz cx="12192000" cy="6858000"/>
   <p:notesSz cx="6858000" cy="9144000"/>
@@ -452,7 +449,7 @@
             <a:fld id="{5923F103-BC34-4FE4-A40E-EDDEECFDA5D0}" type="datetimeFigureOut">
               <a:rPr lang="en-US" dirty="0"/>
               <a:pPr/>
-              <a:t>6/26/2016</a:t>
+              <a:t>6/27/2016</a:t>
             </a:fld>
             <a:endParaRPr lang="en-US" dirty="0"/>
           </a:p>
@@ -1541,7 +1538,7 @@
             <a:fld id="{923A1CC3-2375-41D4-9E03-427CAF2A4C1A}" type="datetimeFigureOut">
               <a:rPr lang="en-US" dirty="0"/>
               <a:pPr/>
-              <a:t>6/26/2016</a:t>
+              <a:t>6/27/2016</a:t>
             </a:fld>
             <a:endParaRPr lang="en-US" dirty="0"/>
           </a:p>
@@ -2522,7 +2519,7 @@
             <a:fld id="{AFF16868-8199-4C2C-A5B1-63AEE139F88E}" type="datetimeFigureOut">
               <a:rPr lang="en-US" dirty="0"/>
               <a:pPr/>
-              <a:t>6/26/2016</a:t>
+              <a:t>6/27/2016</a:t>
             </a:fld>
             <a:endParaRPr lang="en-US" dirty="0"/>
           </a:p>
@@ -3657,7 +3654,7 @@
             <a:fld id="{AAD9FF7F-6988-44CC-821B-644E70CD2F73}" type="datetimeFigureOut">
               <a:rPr lang="en-US" dirty="0"/>
               <a:pPr/>
-              <a:t>6/26/2016</a:t>
+              <a:t>6/27/2016</a:t>
             </a:fld>
             <a:endParaRPr lang="en-US" dirty="0"/>
           </a:p>
@@ -4691,7 +4688,7 @@
             <a:fld id="{5C12C299-16B2-4475-990D-751901EACC14}" type="datetimeFigureOut">
               <a:rPr lang="en-US" dirty="0"/>
               <a:pPr/>
-              <a:t>6/26/2016</a:t>
+              <a:t>6/27/2016</a:t>
             </a:fld>
             <a:endParaRPr lang="en-US" dirty="0"/>
           </a:p>
@@ -5352,7 +5349,7 @@
             <a:fld id="{9FE86839-B9D8-4651-8783-F325ECE74E65}" type="datetimeFigureOut">
               <a:rPr lang="en-US" dirty="0"/>
               <a:pPr/>
-              <a:t>6/26/2016</a:t>
+              <a:t>6/27/2016</a:t>
             </a:fld>
             <a:endParaRPr lang="en-US" dirty="0"/>
           </a:p>
@@ -6214,7 +6211,7 @@
             <a:fld id="{FD484F64-32F6-45C5-931F-ADC1662401D0}" type="datetimeFigureOut">
               <a:rPr lang="en-US" dirty="0"/>
               <a:pPr/>
-              <a:t>6/26/2016</a:t>
+              <a:t>6/27/2016</a:t>
             </a:fld>
             <a:endParaRPr lang="en-US" dirty="0"/>
           </a:p>
@@ -6405,7 +6402,7 @@
             <a:fld id="{53086D93-FCAC-47E0-A2EE-787E62CA814C}" type="datetimeFigureOut">
               <a:rPr lang="en-US" dirty="0"/>
               <a:pPr/>
-              <a:t>6/26/2016</a:t>
+              <a:t>6/27/2016</a:t>
             </a:fld>
             <a:endParaRPr lang="en-US" dirty="0"/>
           </a:p>
@@ -7378,7 +7375,7 @@
             <a:fld id="{CDA879A6-0FD0-4734-A311-86BFCA472E6E}" type="datetimeFigureOut">
               <a:rPr lang="en-US" dirty="0"/>
               <a:pPr/>
-              <a:t>6/26/2016</a:t>
+              <a:t>6/27/2016</a:t>
             </a:fld>
             <a:endParaRPr lang="en-US" dirty="0"/>
           </a:p>
@@ -7590,7 +7587,7 @@
             <a:fld id="{19C9CA7B-DFD4-44B5-8C60-D14B8CD1FB59}" type="datetimeFigureOut">
               <a:rPr lang="en-US" dirty="0"/>
               <a:pPr/>
-              <a:t>6/26/2016</a:t>
+              <a:t>6/27/2016</a:t>
             </a:fld>
             <a:endParaRPr lang="en-US" dirty="0"/>
           </a:p>
@@ -8625,7 +8622,7 @@
             <a:fld id="{F34E6425-0181-43F2-84FC-787E803FD2F8}" type="datetimeFigureOut">
               <a:rPr lang="en-US" dirty="0"/>
               <a:pPr/>
-              <a:t>6/26/2016</a:t>
+              <a:t>6/27/2016</a:t>
             </a:fld>
             <a:endParaRPr lang="en-US" dirty="0"/>
           </a:p>
@@ -8898,7 +8895,7 @@
             <a:fld id="{3BDB8791-F1B0-41E7-B7FD-A781E65C4266}" type="datetimeFigureOut">
               <a:rPr lang="en-US" dirty="0"/>
               <a:pPr/>
-              <a:t>6/26/2016</a:t>
+              <a:t>6/27/2016</a:t>
             </a:fld>
             <a:endParaRPr lang="en-US" dirty="0"/>
           </a:p>
@@ -9309,7 +9306,7 @@
             <a:fld id="{5FDD63B2-E120-4ED8-B27B-C685F510A5FE}" type="datetimeFigureOut">
               <a:rPr lang="en-US" dirty="0"/>
               <a:pPr/>
-              <a:t>6/26/2016</a:t>
+              <a:t>6/27/2016</a:t>
             </a:fld>
             <a:endParaRPr lang="en-US" dirty="0"/>
           </a:p>
@@ -9437,7 +9434,7 @@
             <a:fld id="{7AA18ACC-A947-437B-A130-35BD54FDF1E9}" type="datetimeFigureOut">
               <a:rPr lang="en-US" dirty="0"/>
               <a:pPr/>
-              <a:t>6/26/2016</a:t>
+              <a:t>6/27/2016</a:t>
             </a:fld>
             <a:endParaRPr lang="en-US" dirty="0"/>
           </a:p>
@@ -9533,7 +9530,7 @@
             <a:fld id="{7C8D7E02-BCB8-4D50-A234-369438C08659}" type="datetimeFigureOut">
               <a:rPr lang="en-US" dirty="0"/>
               <a:pPr/>
-              <a:t>6/26/2016</a:t>
+              <a:t>6/27/2016</a:t>
             </a:fld>
             <a:endParaRPr lang="en-US" dirty="0"/>
           </a:p>
@@ -10615,7 +10612,7 @@
             <a:fld id="{76E86A4C-8E40-4F87-A4F0-01A0687C5742}" type="datetimeFigureOut">
               <a:rPr lang="en-US" dirty="0"/>
               <a:pPr/>
-              <a:t>6/26/2016</a:t>
+              <a:t>6/27/2016</a:t>
             </a:fld>
             <a:endParaRPr lang="en-US" dirty="0"/>
           </a:p>
@@ -11724,7 +11721,7 @@
             <a:fld id="{35E72C73-2D91-4E12-BA25-F0AA0C03599B}" type="datetimeFigureOut">
               <a:rPr lang="en-US" dirty="0"/>
               <a:pPr/>
-              <a:t>6/26/2016</a:t>
+              <a:t>6/27/2016</a:t>
             </a:fld>
             <a:endParaRPr lang="en-US" dirty="0"/>
           </a:p>
@@ -12722,7 +12719,7 @@
             <a:fld id="{2BE451C3-0FF4-47C4-B829-773ADF60F88C}" type="datetimeFigureOut">
               <a:rPr lang="en-US" dirty="0"/>
               <a:pPr/>
-              <a:t>6/26/2016</a:t>
+              <a:t>6/27/2016</a:t>
             </a:fld>
             <a:endParaRPr lang="en-US" dirty="0"/>
           </a:p>
@@ -13329,126 +13326,7 @@
     </p:spTree>
     <p:extLst>
       <p:ext uri="{BB962C8B-B14F-4D97-AF65-F5344CB8AC3E}">
-        <p14:creationId xmlns:p14="http://schemas.microsoft.com/office/powerpoint/2010/main" xmlns="" val="845337426"/>
-      </p:ext>
-    </p:extLst>
-  </p:cSld>
-  <p:clrMapOvr>
-    <a:masterClrMapping/>
-  </p:clrMapOvr>
-</p:sld>
-</file>
-
-<file path=ppt/slides/slide10.xml><?xml version="1.0" encoding="utf-8"?>
-<p:sld xmlns:a="http://schemas.openxmlformats.org/drawingml/2006/main" xmlns:r="http://schemas.openxmlformats.org/officeDocument/2006/relationships" xmlns:p="http://schemas.openxmlformats.org/presentationml/2006/main">
-  <p:cSld>
-    <p:spTree>
-      <p:nvGrpSpPr>
-        <p:cNvPr id="1" name=""/>
-        <p:cNvGrpSpPr/>
-        <p:nvPr/>
-      </p:nvGrpSpPr>
-      <p:grpSpPr>
-        <a:xfrm>
-          <a:off x="0" y="0"/>
-          <a:ext cx="0" cy="0"/>
-          <a:chOff x="0" y="0"/>
-          <a:chExt cx="0" cy="0"/>
-        </a:xfrm>
-      </p:grpSpPr>
-      <p:sp>
-        <p:nvSpPr>
-          <p:cNvPr id="2" name="Title 1"/>
-          <p:cNvSpPr>
-            <a:spLocks noGrp="1"/>
-          </p:cNvSpPr>
-          <p:nvPr>
-            <p:ph type="title"/>
-          </p:nvPr>
-        </p:nvSpPr>
-        <p:spPr/>
-        <p:txBody>
-          <a:bodyPr/>
-          <a:lstStyle/>
-          <a:p>
-            <a:r>
-              <a:rPr lang="en-US" dirty="0"/>
-              <a:t>Implemented Concept in the System</a:t>
-            </a:r>
-          </a:p>
-        </p:txBody>
-      </p:sp>
-      <p:sp>
-        <p:nvSpPr>
-          <p:cNvPr id="3" name="Content Placeholder 2"/>
-          <p:cNvSpPr>
-            <a:spLocks noGrp="1"/>
-          </p:cNvSpPr>
-          <p:nvPr>
-            <p:ph idx="1"/>
-          </p:nvPr>
-        </p:nvSpPr>
-        <p:spPr/>
-        <p:txBody>
-          <a:bodyPr/>
-          <a:lstStyle/>
-          <a:p>
-            <a:r>
-              <a:rPr lang="en-US" dirty="0"/>
-              <a:t>Basic OOP concepts.</a:t>
-            </a:r>
-          </a:p>
-          <a:p>
-            <a:pPr lvl="1"/>
-            <a:r>
-              <a:rPr lang="en-US" dirty="0"/>
-              <a:t>Encapsulation</a:t>
-            </a:r>
-          </a:p>
-          <a:p>
-            <a:pPr lvl="1"/>
-            <a:r>
-              <a:rPr lang="en-US" dirty="0"/>
-              <a:t>Reflection</a:t>
-            </a:r>
-          </a:p>
-          <a:p>
-            <a:r>
-              <a:rPr lang="en-US" dirty="0"/>
-              <a:t>Junit Test Case</a:t>
-            </a:r>
-          </a:p>
-          <a:p>
-            <a:r>
-              <a:rPr lang="en-US" dirty="0"/>
-              <a:t>Java Documentation</a:t>
-            </a:r>
-          </a:p>
-          <a:p>
-            <a:r>
-              <a:rPr lang="en-US" dirty="0"/>
-              <a:t>Threading</a:t>
-            </a:r>
-          </a:p>
-          <a:p>
-            <a:r>
-              <a:rPr lang="en-US" dirty="0"/>
-              <a:t>JDBC</a:t>
-            </a:r>
-          </a:p>
-          <a:p>
-            <a:r>
-              <a:rPr lang="en-US" dirty="0" err="1"/>
-              <a:t>FileWrite</a:t>
-            </a:r>
-            <a:endParaRPr lang="en-US" dirty="0"/>
-          </a:p>
-        </p:txBody>
-      </p:sp>
-    </p:spTree>
-    <p:extLst>
-      <p:ext uri="{BB962C8B-B14F-4D97-AF65-F5344CB8AC3E}">
-        <p14:creationId xmlns:p14="http://schemas.microsoft.com/office/powerpoint/2010/main" xmlns="" val="1442927184"/>
+        <p14:creationId xmlns="" xmlns:p14="http://schemas.microsoft.com/office/powerpoint/2010/main" val="845337426"/>
       </p:ext>
     </p:extLst>
   </p:cSld>
@@ -13538,8 +13416,19 @@
           <a:p>
             <a:r>
               <a:rPr lang="en-US" dirty="0"/>
-              <a:t>To rotate tasks allocations.</a:t>
-            </a:r>
+              <a:t>To rotate tasks allocations</a:t>
+            </a:r>
+            <a:r>
+              <a:rPr lang="en-US" dirty="0" smtClean="0"/>
+              <a:t>.</a:t>
+            </a:r>
+          </a:p>
+          <a:p>
+            <a:r>
+              <a:rPr lang="en-US" dirty="0" smtClean="0"/>
+              <a:t>To create a group chat client server system</a:t>
+            </a:r>
+            <a:endParaRPr lang="en-US" dirty="0"/>
           </a:p>
           <a:p>
             <a:pPr marL="0" indent="0">
@@ -13558,7 +13447,7 @@
     </p:spTree>
     <p:extLst>
       <p:ext uri="{BB962C8B-B14F-4D97-AF65-F5344CB8AC3E}">
-        <p14:creationId xmlns:p14="http://schemas.microsoft.com/office/powerpoint/2010/main" xmlns="" val="3936197683"/>
+        <p14:creationId xmlns="" xmlns:p14="http://schemas.microsoft.com/office/powerpoint/2010/main" val="3936197683"/>
       </p:ext>
     </p:extLst>
   </p:cSld>
@@ -13658,7 +13547,7 @@
     </p:spTree>
     <p:extLst>
       <p:ext uri="{BB962C8B-B14F-4D97-AF65-F5344CB8AC3E}">
-        <p14:creationId xmlns:p14="http://schemas.microsoft.com/office/powerpoint/2010/main" xmlns="" val="653693815"/>
+        <p14:creationId xmlns="" xmlns:p14="http://schemas.microsoft.com/office/powerpoint/2010/main" val="653693815"/>
       </p:ext>
     </p:extLst>
   </p:cSld>
@@ -13719,8 +13608,8 @@
         </p:nvSpPr>
         <p:spPr>
           <a:xfrm>
-            <a:off x="744137" y="2523987"/>
-            <a:ext cx="4649498" cy="3416300"/>
+            <a:off x="316432" y="2464993"/>
+            <a:ext cx="6423579" cy="3416300"/>
           </a:xfrm>
         </p:spPr>
         <p:txBody>
@@ -13736,25 +13625,55 @@
             <a:pPr lvl="1"/>
             <a:r>
               <a:rPr lang="en-US" dirty="0"/>
-              <a:t>John Paul Limos – Client Server</a:t>
-            </a:r>
+              <a:t>John Paul Limos – Client </a:t>
+            </a:r>
+            <a:r>
+              <a:rPr lang="en-US" dirty="0" smtClean="0"/>
+              <a:t>Server functions</a:t>
+            </a:r>
+            <a:endParaRPr lang="en-US" dirty="0"/>
           </a:p>
           <a:p>
             <a:pPr lvl="1"/>
             <a:r>
               <a:rPr lang="en-US" dirty="0"/>
-              <a:t>Ana Katrina De Leon – Client Server</a:t>
-            </a:r>
+              <a:t>Ana Katrina De Leon – Client </a:t>
+            </a:r>
+            <a:r>
+              <a:rPr lang="en-US" dirty="0" smtClean="0"/>
+              <a:t>Server functions</a:t>
+            </a:r>
+            <a:endParaRPr lang="en-US" dirty="0"/>
           </a:p>
           <a:p>
             <a:pPr lvl="1"/>
             <a:r>
               <a:rPr lang="en-US" dirty="0"/>
-              <a:t>Paulin Joyce Racelis - </a:t>
+              <a:t>Paulin Joyce </a:t>
             </a:r>
             <a:r>
               <a:rPr lang="en-US" dirty="0" err="1"/>
+              <a:t>Racelis</a:t>
+            </a:r>
+            <a:r>
+              <a:rPr lang="en-US" dirty="0"/>
+              <a:t> </a:t>
+            </a:r>
+            <a:r>
+              <a:rPr lang="en-US" dirty="0" smtClean="0"/>
+              <a:t>– </a:t>
+            </a:r>
+            <a:r>
+              <a:rPr lang="en-US" dirty="0" err="1" smtClean="0"/>
               <a:t>DBConnection</a:t>
+            </a:r>
+            <a:r>
+              <a:rPr lang="en-US" dirty="0" smtClean="0"/>
+              <a:t>, DAO and </a:t>
+            </a:r>
+            <a:r>
+              <a:rPr lang="en-US" dirty="0" err="1" smtClean="0"/>
+              <a:t>Impl</a:t>
             </a:r>
             <a:endParaRPr lang="en-US" dirty="0"/>
           </a:p>
@@ -13784,15 +13703,25 @@
             </a:r>
             <a:r>
               <a:rPr lang="en-US" dirty="0"/>
-              <a:t>  - Use Case</a:t>
-            </a:r>
+              <a:t>  - Use </a:t>
+            </a:r>
+            <a:r>
+              <a:rPr lang="en-US" dirty="0" smtClean="0"/>
+              <a:t>Case, Help programmers</a:t>
+            </a:r>
+            <a:endParaRPr lang="en-US" dirty="0"/>
           </a:p>
           <a:p>
             <a:pPr lvl="1"/>
             <a:r>
               <a:rPr lang="en-US" dirty="0"/>
-              <a:t>Mark Anthony Andes - Sequence</a:t>
-            </a:r>
+              <a:t>Mark Anthony Andes </a:t>
+            </a:r>
+            <a:r>
+              <a:rPr lang="en-US" dirty="0" smtClean="0"/>
+              <a:t>– Sequence, Help programmers</a:t>
+            </a:r>
+            <a:endParaRPr lang="en-US" dirty="0"/>
           </a:p>
         </p:txBody>
       </p:sp>
@@ -13806,7 +13735,7 @@
         </p:nvSpPr>
         <p:spPr>
           <a:xfrm>
-            <a:off x="6306264" y="2523987"/>
+            <a:off x="7456638" y="2538736"/>
             <a:ext cx="4331446" cy="3416300"/>
           </a:xfrm>
           <a:prstGeom prst="rect">
@@ -14083,7 +14012,7 @@
     </p:spTree>
     <p:extLst>
       <p:ext uri="{BB962C8B-B14F-4D97-AF65-F5344CB8AC3E}">
-        <p14:creationId xmlns:p14="http://schemas.microsoft.com/office/powerpoint/2010/main" xmlns="" val="2296460282"/>
+        <p14:creationId xmlns="" xmlns:p14="http://schemas.microsoft.com/office/powerpoint/2010/main" val="2296460282"/>
       </p:ext>
     </p:extLst>
   </p:cSld>
@@ -14154,7 +14083,7 @@
     </p:spTree>
     <p:extLst>
       <p:ext uri="{BB962C8B-B14F-4D97-AF65-F5344CB8AC3E}">
-        <p14:creationId xmlns:p14="http://schemas.microsoft.com/office/powerpoint/2010/main" xmlns="" val="4058481791"/>
+        <p14:creationId xmlns="" xmlns:p14="http://schemas.microsoft.com/office/powerpoint/2010/main" val="4058481791"/>
       </p:ext>
     </p:extLst>
   </p:cSld>
@@ -14183,12 +14112,12 @@
       </p:grpSpPr>
       <p:sp>
         <p:nvSpPr>
-          <p:cNvPr id="2" name="Title 1"/>
+          <p:cNvPr id="4" name="Title 3"/>
           <p:cNvSpPr>
             <a:spLocks noGrp="1"/>
           </p:cNvSpPr>
           <p:nvPr>
-            <p:ph type="title"/>
+            <p:ph type="ctrTitle"/>
           </p:nvPr>
         </p:nvSpPr>
         <p:spPr/>
@@ -14196,18 +14125,21 @@
           <a:bodyPr/>
           <a:lstStyle/>
           <a:p>
-            <a:endParaRPr lang="en-US"/>
+            <a:r>
+              <a:rPr lang="en-US" dirty="0"/>
+              <a:t>Java</a:t>
+            </a:r>
           </a:p>
         </p:txBody>
       </p:sp>
       <p:sp>
         <p:nvSpPr>
-          <p:cNvPr id="3" name="Content Placeholder 2"/>
+          <p:cNvPr id="5" name="Subtitle 4"/>
           <p:cNvSpPr>
             <a:spLocks noGrp="1"/>
           </p:cNvSpPr>
           <p:nvPr>
-            <p:ph idx="1"/>
+            <p:ph type="subTitle" idx="1"/>
           </p:nvPr>
         </p:nvSpPr>
         <p:spPr/>
@@ -14215,40 +14147,14 @@
           <a:bodyPr/>
           <a:lstStyle/>
           <a:p>
-            <a:endParaRPr lang="en-US"/>
+            <a:endParaRPr lang="en-US" dirty="0"/>
           </a:p>
         </p:txBody>
       </p:sp>
-      <p:pic>
-        <p:nvPicPr>
-          <p:cNvPr id="4" name="Picture 2" descr="D:\Group1Projects\W2D5Project\UML\use_case.jpg"/>
-          <p:cNvPicPr>
-            <a:picLocks noChangeAspect="1" noChangeArrowheads="1"/>
-          </p:cNvPicPr>
-          <p:nvPr/>
-        </p:nvPicPr>
-        <p:blipFill>
-          <a:blip r:embed="rId2"/>
-          <a:srcRect/>
-          <a:stretch>
-            <a:fillRect/>
-          </a:stretch>
-        </p:blipFill>
-        <p:spPr bwMode="auto">
-          <a:xfrm>
-            <a:off x="2036353" y="1110278"/>
-            <a:ext cx="7381875" cy="4371975"/>
-          </a:xfrm>
-          <a:prstGeom prst="rect">
-            <a:avLst/>
-          </a:prstGeom>
-          <a:noFill/>
-        </p:spPr>
-      </p:pic>
     </p:spTree>
     <p:extLst>
       <p:ext uri="{BB962C8B-B14F-4D97-AF65-F5344CB8AC3E}">
-        <p14:creationId xmlns:p14="http://schemas.microsoft.com/office/powerpoint/2010/main" xmlns="" val="762827125"/>
+        <p14:creationId xmlns="" xmlns:p14="http://schemas.microsoft.com/office/powerpoint/2010/main" val="3263384971"/>
       </p:ext>
     </p:extLst>
   </p:cSld>
@@ -14290,7 +14196,10 @@
           <a:bodyPr/>
           <a:lstStyle/>
           <a:p>
-            <a:endParaRPr lang="en-US"/>
+            <a:r>
+              <a:rPr lang="en-US" dirty="0"/>
+              <a:t>Implemented Concept in the System</a:t>
+            </a:r>
           </a:p>
         </p:txBody>
       </p:sp>
@@ -14309,197 +14218,54 @@
           <a:bodyPr/>
           <a:lstStyle/>
           <a:p>
-            <a:endParaRPr lang="en-US"/>
-          </a:p>
-        </p:txBody>
-      </p:sp>
-      <p:pic>
-        <p:nvPicPr>
-          <p:cNvPr id="1027" name="Picture 3" descr="D:\Group1Projects\W2D5Project\UML\sequence_diagram.jpg"/>
-          <p:cNvPicPr>
-            <a:picLocks noChangeAspect="1" noChangeArrowheads="1"/>
-          </p:cNvPicPr>
-          <p:nvPr/>
-        </p:nvPicPr>
-        <p:blipFill>
-          <a:blip r:embed="rId2"/>
-          <a:srcRect/>
-          <a:stretch>
-            <a:fillRect/>
-          </a:stretch>
-        </p:blipFill>
-        <p:spPr bwMode="auto">
-          <a:xfrm>
-            <a:off x="2581275" y="-1026242"/>
-            <a:ext cx="7029450" cy="10591800"/>
-          </a:xfrm>
-          <a:prstGeom prst="rect">
-            <a:avLst/>
-          </a:prstGeom>
-          <a:noFill/>
-        </p:spPr>
-      </p:pic>
-    </p:spTree>
-    <p:extLst>
-      <p:ext uri="{BB962C8B-B14F-4D97-AF65-F5344CB8AC3E}">
-        <p14:creationId xmlns:p14="http://schemas.microsoft.com/office/powerpoint/2010/main" xmlns="" val="490096814"/>
-      </p:ext>
-    </p:extLst>
-  </p:cSld>
-  <p:clrMapOvr>
-    <a:masterClrMapping/>
-  </p:clrMapOvr>
-</p:sld>
-</file>
-
-<file path=ppt/slides/slide8.xml><?xml version="1.0" encoding="utf-8"?>
-<p:sld xmlns:a="http://schemas.openxmlformats.org/drawingml/2006/main" xmlns:r="http://schemas.openxmlformats.org/officeDocument/2006/relationships" xmlns:p="http://schemas.openxmlformats.org/presentationml/2006/main">
-  <p:cSld>
-    <p:spTree>
-      <p:nvGrpSpPr>
-        <p:cNvPr id="1" name=""/>
-        <p:cNvGrpSpPr/>
-        <p:nvPr/>
-      </p:nvGrpSpPr>
-      <p:grpSpPr>
-        <a:xfrm>
-          <a:off x="0" y="0"/>
-          <a:ext cx="0" cy="0"/>
-          <a:chOff x="0" y="0"/>
-          <a:chExt cx="0" cy="0"/>
-        </a:xfrm>
-      </p:grpSpPr>
-      <p:sp>
-        <p:nvSpPr>
-          <p:cNvPr id="2" name="Title 1"/>
-          <p:cNvSpPr>
-            <a:spLocks noGrp="1"/>
-          </p:cNvSpPr>
-          <p:nvPr>
-            <p:ph type="title"/>
-          </p:nvPr>
-        </p:nvSpPr>
-        <p:spPr/>
-        <p:txBody>
-          <a:bodyPr/>
-          <a:lstStyle/>
-          <a:p>
-            <a:endParaRPr lang="en-US"/>
-          </a:p>
-        </p:txBody>
-      </p:sp>
-      <p:sp>
-        <p:nvSpPr>
-          <p:cNvPr id="3" name="Content Placeholder 2"/>
-          <p:cNvSpPr>
-            <a:spLocks noGrp="1"/>
-          </p:cNvSpPr>
-          <p:nvPr>
-            <p:ph idx="1"/>
-          </p:nvPr>
-        </p:nvSpPr>
-        <p:spPr/>
-        <p:txBody>
-          <a:bodyPr/>
-          <a:lstStyle/>
-          <a:p>
-            <a:endParaRPr lang="en-US"/>
-          </a:p>
-        </p:txBody>
-      </p:sp>
-      <p:pic>
-        <p:nvPicPr>
-          <p:cNvPr id="2050" name="Picture 2" descr="D:\Group1Projects\W2D5Project\UML\class.jpg"/>
-          <p:cNvPicPr>
-            <a:picLocks noChangeAspect="1" noChangeArrowheads="1"/>
-          </p:cNvPicPr>
-          <p:nvPr/>
-        </p:nvPicPr>
-        <p:blipFill>
-          <a:blip r:embed="rId2"/>
-          <a:srcRect/>
-          <a:stretch>
-            <a:fillRect/>
-          </a:stretch>
-        </p:blipFill>
-        <p:spPr bwMode="auto">
-          <a:xfrm>
-            <a:off x="908779" y="-383459"/>
-            <a:ext cx="10531054" cy="9357237"/>
-          </a:xfrm>
-          <a:prstGeom prst="rect">
-            <a:avLst/>
-          </a:prstGeom>
-          <a:noFill/>
-        </p:spPr>
-      </p:pic>
-    </p:spTree>
-    <p:extLst>
-      <p:ext uri="{BB962C8B-B14F-4D97-AF65-F5344CB8AC3E}">
-        <p14:creationId xmlns:p14="http://schemas.microsoft.com/office/powerpoint/2010/main" xmlns="" val="3472327131"/>
-      </p:ext>
-    </p:extLst>
-  </p:cSld>
-  <p:clrMapOvr>
-    <a:masterClrMapping/>
-  </p:clrMapOvr>
-</p:sld>
-</file>
-
-<file path=ppt/slides/slide9.xml><?xml version="1.0" encoding="utf-8"?>
-<p:sld xmlns:a="http://schemas.openxmlformats.org/drawingml/2006/main" xmlns:r="http://schemas.openxmlformats.org/officeDocument/2006/relationships" xmlns:p="http://schemas.openxmlformats.org/presentationml/2006/main">
-  <p:cSld>
-    <p:spTree>
-      <p:nvGrpSpPr>
-        <p:cNvPr id="1" name=""/>
-        <p:cNvGrpSpPr/>
-        <p:nvPr/>
-      </p:nvGrpSpPr>
-      <p:grpSpPr>
-        <a:xfrm>
-          <a:off x="0" y="0"/>
-          <a:ext cx="0" cy="0"/>
-          <a:chOff x="0" y="0"/>
-          <a:chExt cx="0" cy="0"/>
-        </a:xfrm>
-      </p:grpSpPr>
-      <p:sp>
-        <p:nvSpPr>
-          <p:cNvPr id="4" name="Title 3"/>
-          <p:cNvSpPr>
-            <a:spLocks noGrp="1"/>
-          </p:cNvSpPr>
-          <p:nvPr>
-            <p:ph type="ctrTitle"/>
-          </p:nvPr>
-        </p:nvSpPr>
-        <p:spPr/>
-        <p:txBody>
-          <a:bodyPr/>
-          <a:lstStyle/>
-          <a:p>
             <a:r>
               <a:rPr lang="en-US" dirty="0"/>
-              <a:t>Java</a:t>
-            </a:r>
-          </a:p>
-        </p:txBody>
-      </p:sp>
-      <p:sp>
-        <p:nvSpPr>
-          <p:cNvPr id="5" name="Subtitle 4"/>
-          <p:cNvSpPr>
-            <a:spLocks noGrp="1"/>
-          </p:cNvSpPr>
-          <p:nvPr>
-            <p:ph type="subTitle" idx="1"/>
-          </p:nvPr>
-        </p:nvSpPr>
-        <p:spPr/>
-        <p:txBody>
-          <a:bodyPr/>
-          <a:lstStyle/>
-          <a:p>
+              <a:t>Basic OOP concepts.</a:t>
+            </a:r>
+          </a:p>
+          <a:p>
+            <a:pPr lvl="1"/>
+            <a:r>
+              <a:rPr lang="en-US" dirty="0"/>
+              <a:t>Encapsulation</a:t>
+            </a:r>
+          </a:p>
+          <a:p>
+            <a:pPr lvl="1"/>
+            <a:r>
+              <a:rPr lang="en-US" dirty="0"/>
+              <a:t>Reflection</a:t>
+            </a:r>
+          </a:p>
+          <a:p>
+            <a:r>
+              <a:rPr lang="en-US" dirty="0"/>
+              <a:t>Junit Test Case</a:t>
+            </a:r>
+          </a:p>
+          <a:p>
+            <a:r>
+              <a:rPr lang="en-US" dirty="0"/>
+              <a:t>Java Documentation</a:t>
+            </a:r>
+          </a:p>
+          <a:p>
+            <a:r>
+              <a:rPr lang="en-US" dirty="0"/>
+              <a:t>Threading</a:t>
+            </a:r>
+          </a:p>
+          <a:p>
+            <a:r>
+              <a:rPr lang="en-US" dirty="0"/>
+              <a:t>JDBC</a:t>
+            </a:r>
+          </a:p>
+          <a:p>
+            <a:r>
+              <a:rPr lang="en-US" dirty="0" err="1"/>
+              <a:t>FileWrite</a:t>
+            </a:r>
             <a:endParaRPr lang="en-US" dirty="0"/>
           </a:p>
         </p:txBody>
@@ -14507,7 +14273,7 @@
     </p:spTree>
     <p:extLst>
       <p:ext uri="{BB962C8B-B14F-4D97-AF65-F5344CB8AC3E}">
-        <p14:creationId xmlns:p14="http://schemas.microsoft.com/office/powerpoint/2010/main" xmlns="" val="3263384971"/>
+        <p14:creationId xmlns="" xmlns:p14="http://schemas.microsoft.com/office/powerpoint/2010/main" val="1442927184"/>
       </p:ext>
     </p:extLst>
   </p:cSld>
@@ -14775,7 +14541,7 @@
   <a:extraClrSchemeLst/>
   <a:extLst>
     <a:ext uri="{05A4C25C-085E-4340-85A3-A5531E510DB2}">
-      <thm15:themeFamily xmlns:thm15="http://schemas.microsoft.com/office/thememl/2012/main" xmlns="" name="Ion Boardroom" id="{FC33163D-4339-46B1-8EED-24C834239D99}" vid="{B8502691-933B-45FE-8764-BA278511EF27}"/>
+      <thm15:themeFamily xmlns="" xmlns:thm15="http://schemas.microsoft.com/office/thememl/2012/main" name="Ion Boardroom" id="{FC33163D-4339-46B1-8EED-24C834239D99}" vid="{B8502691-933B-45FE-8764-BA278511EF27}"/>
     </a:ext>
   </a:extLst>
 </a:theme>
